--- a/lecture-02.pptx
+++ b/lecture-02.pptx
@@ -20,9 +20,9 @@
     <p:sldId id="265" r:id="rId11"/>
     <p:sldId id="266" r:id="rId12"/>
     <p:sldId id="267" r:id="rId13"/>
-    <p:sldId id="268" r:id="rId14"/>
-    <p:sldId id="269" r:id="rId15"/>
-    <p:sldId id="270" r:id="rId16"/>
+    <p:sldId id="270" r:id="rId14"/>
+    <p:sldId id="268" r:id="rId15"/>
+    <p:sldId id="269" r:id="rId16"/>
     <p:sldId id="271" r:id="rId17"/>
     <p:sldId id="272" r:id="rId18"/>
     <p:sldId id="273" r:id="rId19"/>
@@ -221,7 +221,7 @@
           <a:p>
             <a:fld id="{BD589D72-A080-4A79-B96C-EAF4279EA27C}" type="datetimeFigureOut">
               <a:rPr lang="ru-RU" smtClean="0"/>
-              <a:t>11.09.2019</a:t>
+              <a:t>12.09.2019</a:t>
             </a:fld>
             <a:endParaRPr lang="ru-RU"/>
           </a:p>
@@ -670,7 +670,7 @@
           <a:p>
             <a:fld id="{B4C71EC6-210F-42DE-9C53-41977AD35B3D}" type="datetimeFigureOut">
               <a:rPr lang="ru-RU" smtClean="0"/>
-              <a:t>11.09.2019</a:t>
+              <a:t>12.09.2019</a:t>
             </a:fld>
             <a:endParaRPr lang="ru-RU"/>
           </a:p>
@@ -835,7 +835,7 @@
           <a:p>
             <a:fld id="{B4C71EC6-210F-42DE-9C53-41977AD35B3D}" type="datetimeFigureOut">
               <a:rPr lang="ru-RU" smtClean="0"/>
-              <a:t>11.09.2019</a:t>
+              <a:t>12.09.2019</a:t>
             </a:fld>
             <a:endParaRPr lang="ru-RU"/>
           </a:p>
@@ -1010,7 +1010,7 @@
           <a:p>
             <a:fld id="{B4C71EC6-210F-42DE-9C53-41977AD35B3D}" type="datetimeFigureOut">
               <a:rPr lang="ru-RU" smtClean="0"/>
-              <a:t>11.09.2019</a:t>
+              <a:t>12.09.2019</a:t>
             </a:fld>
             <a:endParaRPr lang="ru-RU"/>
           </a:p>
@@ -1254,7 +1254,7 @@
             <a:fld id="{B61BEF0D-F0BB-DE4B-95CE-6DB70DBA9567}" type="datetimeFigureOut">
               <a:rPr lang="en-US" smtClean="0"/>
               <a:pPr/>
-              <a:t>9/11/2019</a:t>
+              <a:t>9/12/2019</a:t>
             </a:fld>
             <a:endParaRPr lang="en-US" dirty="0"/>
           </a:p>
@@ -1425,7 +1425,7 @@
           <a:p>
             <a:fld id="{B4C71EC6-210F-42DE-9C53-41977AD35B3D}" type="datetimeFigureOut">
               <a:rPr lang="ru-RU" smtClean="0"/>
-              <a:t>11.09.2019</a:t>
+              <a:t>12.09.2019</a:t>
             </a:fld>
             <a:endParaRPr lang="ru-RU"/>
           </a:p>
@@ -1666,7 +1666,7 @@
           <a:p>
             <a:fld id="{B4C71EC6-210F-42DE-9C53-41977AD35B3D}" type="datetimeFigureOut">
               <a:rPr lang="ru-RU" smtClean="0"/>
-              <a:t>11.09.2019</a:t>
+              <a:t>12.09.2019</a:t>
             </a:fld>
             <a:endParaRPr lang="ru-RU"/>
           </a:p>
@@ -1949,7 +1949,7 @@
           <a:p>
             <a:fld id="{B4C71EC6-210F-42DE-9C53-41977AD35B3D}" type="datetimeFigureOut">
               <a:rPr lang="ru-RU" smtClean="0"/>
-              <a:t>11.09.2019</a:t>
+              <a:t>12.09.2019</a:t>
             </a:fld>
             <a:endParaRPr lang="ru-RU"/>
           </a:p>
@@ -2366,7 +2366,7 @@
           <a:p>
             <a:fld id="{B4C71EC6-210F-42DE-9C53-41977AD35B3D}" type="datetimeFigureOut">
               <a:rPr lang="ru-RU" smtClean="0"/>
-              <a:t>11.09.2019</a:t>
+              <a:t>12.09.2019</a:t>
             </a:fld>
             <a:endParaRPr lang="ru-RU"/>
           </a:p>
@@ -2479,7 +2479,7 @@
           <a:p>
             <a:fld id="{B4C71EC6-210F-42DE-9C53-41977AD35B3D}" type="datetimeFigureOut">
               <a:rPr lang="ru-RU" smtClean="0"/>
-              <a:t>11.09.2019</a:t>
+              <a:t>12.09.2019</a:t>
             </a:fld>
             <a:endParaRPr lang="ru-RU"/>
           </a:p>
@@ -2569,7 +2569,7 @@
           <a:p>
             <a:fld id="{B4C71EC6-210F-42DE-9C53-41977AD35B3D}" type="datetimeFigureOut">
               <a:rPr lang="ru-RU" smtClean="0"/>
-              <a:t>11.09.2019</a:t>
+              <a:t>12.09.2019</a:t>
             </a:fld>
             <a:endParaRPr lang="ru-RU"/>
           </a:p>
@@ -2841,7 +2841,7 @@
           <a:p>
             <a:fld id="{B4C71EC6-210F-42DE-9C53-41977AD35B3D}" type="datetimeFigureOut">
               <a:rPr lang="ru-RU" smtClean="0"/>
-              <a:t>11.09.2019</a:t>
+              <a:t>12.09.2019</a:t>
             </a:fld>
             <a:endParaRPr lang="ru-RU"/>
           </a:p>
@@ -3089,7 +3089,7 @@
           <a:p>
             <a:fld id="{B4C71EC6-210F-42DE-9C53-41977AD35B3D}" type="datetimeFigureOut">
               <a:rPr lang="ru-RU" smtClean="0"/>
-              <a:t>11.09.2019</a:t>
+              <a:t>12.09.2019</a:t>
             </a:fld>
             <a:endParaRPr lang="ru-RU"/>
           </a:p>
@@ -3306,7 +3306,7 @@
           <a:p>
             <a:fld id="{B4C71EC6-210F-42DE-9C53-41977AD35B3D}" type="datetimeFigureOut">
               <a:rPr lang="ru-RU" smtClean="0"/>
-              <a:t>11.09.2019</a:t>
+              <a:t>12.09.2019</a:t>
             </a:fld>
             <a:endParaRPr lang="ru-RU"/>
           </a:p>
@@ -4211,6 +4211,180 @@
         </p:nvSpPr>
         <p:spPr>
           <a:xfrm>
+            <a:off x="1082494" y="0"/>
+            <a:ext cx="7704667" cy="825189"/>
+          </a:xfrm>
+        </p:spPr>
+        <p:txBody>
+          <a:bodyPr/>
+          <a:lstStyle/>
+          <a:p>
+            <a:r>
+              <a:rPr lang="ru-RU" dirty="0"/>
+              <a:t>Пошук парних дужок</a:t>
+            </a:r>
+          </a:p>
+        </p:txBody>
+      </p:sp>
+      <p:sp>
+        <p:nvSpPr>
+          <p:cNvPr id="3" name="Объект 2"/>
+          <p:cNvSpPr>
+            <a:spLocks noGrp="1"/>
+          </p:cNvSpPr>
+          <p:nvPr>
+            <p:ph idx="1"/>
+          </p:nvPr>
+        </p:nvSpPr>
+        <p:spPr>
+          <a:xfrm>
+            <a:off x="657922" y="1025912"/>
+            <a:ext cx="8486077" cy="5341434"/>
+          </a:xfrm>
+        </p:spPr>
+        <p:txBody>
+          <a:bodyPr>
+            <a:normAutofit/>
+          </a:bodyPr>
+          <a:lstStyle/>
+          <a:p>
+            <a:r>
+              <a:rPr lang="ru-RU" dirty="0"/>
+              <a:t>Стеки також часто використовуються при розборі деяких видів текстових рядків</a:t>
+            </a:r>
+            <a:r>
+              <a:rPr lang="ru-RU" dirty="0" smtClean="0"/>
+              <a:t>.</a:t>
+            </a:r>
+          </a:p>
+          <a:p>
+            <a:endParaRPr lang="ru-RU" dirty="0"/>
+          </a:p>
+          <a:p>
+            <a:pPr marL="0" indent="0">
+              <a:buNone/>
+            </a:pPr>
+            <a:r>
+              <a:rPr lang="ru-RU" sz="2000" dirty="0">
+                <a:latin typeface="Courier New" panose="02070309020205020404" pitchFamily="49" charset="0"/>
+                <a:cs typeface="Courier New" panose="02070309020205020404" pitchFamily="49" charset="0"/>
+              </a:rPr>
+              <a:t>c [d] // Правильно</a:t>
+            </a:r>
+          </a:p>
+          <a:p>
+            <a:pPr marL="0" indent="0">
+              <a:buNone/>
+            </a:pPr>
+            <a:r>
+              <a:rPr lang="ru-RU" sz="2000" dirty="0">
+                <a:latin typeface="Courier New" panose="02070309020205020404" pitchFamily="49" charset="0"/>
+                <a:cs typeface="Courier New" panose="02070309020205020404" pitchFamily="49" charset="0"/>
+              </a:rPr>
+              <a:t>a {b [c] d} e // Правильно</a:t>
+            </a:r>
+          </a:p>
+          <a:p>
+            <a:pPr marL="0" indent="0">
+              <a:buNone/>
+            </a:pPr>
+            <a:r>
+              <a:rPr lang="ru-RU" sz="2000" dirty="0">
+                <a:latin typeface="Courier New" panose="02070309020205020404" pitchFamily="49" charset="0"/>
+                <a:cs typeface="Courier New" panose="02070309020205020404" pitchFamily="49" charset="0"/>
+              </a:rPr>
+              <a:t>a {b (c] d} e // Неправильно;] не відповідає (</a:t>
+            </a:r>
+          </a:p>
+          <a:p>
+            <a:pPr marL="0" indent="0">
+              <a:buNone/>
+            </a:pPr>
+            <a:r>
+              <a:rPr lang="ru-RU" sz="2000" dirty="0">
+                <a:latin typeface="Courier New" panose="02070309020205020404" pitchFamily="49" charset="0"/>
+                <a:cs typeface="Courier New" panose="02070309020205020404" pitchFamily="49" charset="0"/>
+              </a:rPr>
+              <a:t>a [b {c} d] e</a:t>
+            </a:r>
+            <a:r>
+              <a:rPr lang="ru-RU" sz="2000" dirty="0" smtClean="0">
+                <a:latin typeface="Courier New" panose="02070309020205020404" pitchFamily="49" charset="0"/>
+                <a:cs typeface="Courier New" panose="02070309020205020404" pitchFamily="49" charset="0"/>
+              </a:rPr>
+              <a:t>} // </a:t>
+            </a:r>
+            <a:r>
+              <a:rPr lang="ru-RU" sz="2000" dirty="0">
+                <a:latin typeface="Courier New" panose="02070309020205020404" pitchFamily="49" charset="0"/>
+                <a:cs typeface="Courier New" panose="02070309020205020404" pitchFamily="49" charset="0"/>
+              </a:rPr>
+              <a:t>неправильно; у завершальній дужки} немає пари</a:t>
+            </a:r>
+          </a:p>
+          <a:p>
+            <a:pPr marL="0" indent="0">
+              <a:buNone/>
+            </a:pPr>
+            <a:r>
+              <a:rPr lang="ru-RU" sz="2000" dirty="0">
+                <a:latin typeface="Courier New" panose="02070309020205020404" pitchFamily="49" charset="0"/>
+                <a:cs typeface="Courier New" panose="02070309020205020404" pitchFamily="49" charset="0"/>
+              </a:rPr>
+              <a:t>a {b (c) // Неправильно; у відкриває дужки {немає пари</a:t>
+            </a:r>
+          </a:p>
+        </p:txBody>
+      </p:sp>
+    </p:spTree>
+    <p:extLst>
+      <p:ext uri="{BB962C8B-B14F-4D97-AF65-F5344CB8AC3E}">
+        <p14:creationId xmlns:p14="http://schemas.microsoft.com/office/powerpoint/2010/main" val="659261263"/>
+      </p:ext>
+    </p:extLst>
+  </p:cSld>
+  <p:clrMapOvr>
+    <a:masterClrMapping/>
+  </p:clrMapOvr>
+  <p:timing>
+    <p:tnLst>
+      <p:par>
+        <p:cTn id="1" dur="indefinite" restart="never" nodeType="tmRoot"/>
+      </p:par>
+    </p:tnLst>
+  </p:timing>
+</p:sld>
+</file>
+
+<file path=ppt/slides/slide14.xml><?xml version="1.0" encoding="utf-8"?>
+<p:sld xmlns:a="http://schemas.openxmlformats.org/drawingml/2006/main" xmlns:r="http://schemas.openxmlformats.org/officeDocument/2006/relationships" xmlns:p="http://schemas.openxmlformats.org/presentationml/2006/main">
+  <p:cSld>
+    <p:spTree>
+      <p:nvGrpSpPr>
+        <p:cNvPr id="1" name=""/>
+        <p:cNvGrpSpPr/>
+        <p:nvPr/>
+      </p:nvGrpSpPr>
+      <p:grpSpPr>
+        <a:xfrm>
+          <a:off x="0" y="0"/>
+          <a:ext cx="0" cy="0"/>
+          <a:chOff x="0" y="0"/>
+          <a:chExt cx="0" cy="0"/>
+        </a:xfrm>
+      </p:grpSpPr>
+      <p:sp>
+        <p:nvSpPr>
+          <p:cNvPr id="2" name="Заголовок 1"/>
+          <p:cNvSpPr>
+            <a:spLocks noGrp="1"/>
+          </p:cNvSpPr>
+          <p:nvPr>
+            <p:ph type="title"/>
+          </p:nvPr>
+        </p:nvSpPr>
+        <p:spPr>
+          <a:xfrm>
             <a:off x="982132" y="0"/>
             <a:ext cx="7704667" cy="613316"/>
           </a:xfrm>
@@ -4803,7 +4977,7 @@
 </p:sld>
 </file>
 
-<file path=ppt/slides/slide14.xml><?xml version="1.0" encoding="utf-8"?>
+<file path=ppt/slides/slide15.xml><?xml version="1.0" encoding="utf-8"?>
 <p:sld xmlns:a="http://schemas.openxmlformats.org/drawingml/2006/main" xmlns:r="http://schemas.openxmlformats.org/officeDocument/2006/relationships" xmlns:p="http://schemas.openxmlformats.org/presentationml/2006/main">
   <p:cSld>
     <p:spTree>
@@ -9988,180 +10162,6 @@
     <p:extLst>
       <p:ext uri="{BB962C8B-B14F-4D97-AF65-F5344CB8AC3E}">
         <p14:creationId xmlns:p14="http://schemas.microsoft.com/office/powerpoint/2010/main" val="385504409"/>
-      </p:ext>
-    </p:extLst>
-  </p:cSld>
-  <p:clrMapOvr>
-    <a:masterClrMapping/>
-  </p:clrMapOvr>
-  <p:timing>
-    <p:tnLst>
-      <p:par>
-        <p:cTn id="1" dur="indefinite" restart="never" nodeType="tmRoot"/>
-      </p:par>
-    </p:tnLst>
-  </p:timing>
-</p:sld>
-</file>
-
-<file path=ppt/slides/slide15.xml><?xml version="1.0" encoding="utf-8"?>
-<p:sld xmlns:a="http://schemas.openxmlformats.org/drawingml/2006/main" xmlns:r="http://schemas.openxmlformats.org/officeDocument/2006/relationships" xmlns:p="http://schemas.openxmlformats.org/presentationml/2006/main">
-  <p:cSld>
-    <p:spTree>
-      <p:nvGrpSpPr>
-        <p:cNvPr id="1" name=""/>
-        <p:cNvGrpSpPr/>
-        <p:nvPr/>
-      </p:nvGrpSpPr>
-      <p:grpSpPr>
-        <a:xfrm>
-          <a:off x="0" y="0"/>
-          <a:ext cx="0" cy="0"/>
-          <a:chOff x="0" y="0"/>
-          <a:chExt cx="0" cy="0"/>
-        </a:xfrm>
-      </p:grpSpPr>
-      <p:sp>
-        <p:nvSpPr>
-          <p:cNvPr id="2" name="Заголовок 1"/>
-          <p:cNvSpPr>
-            <a:spLocks noGrp="1"/>
-          </p:cNvSpPr>
-          <p:nvPr>
-            <p:ph type="title"/>
-          </p:nvPr>
-        </p:nvSpPr>
-        <p:spPr>
-          <a:xfrm>
-            <a:off x="1082494" y="0"/>
-            <a:ext cx="7704667" cy="825189"/>
-          </a:xfrm>
-        </p:spPr>
-        <p:txBody>
-          <a:bodyPr/>
-          <a:lstStyle/>
-          <a:p>
-            <a:r>
-              <a:rPr lang="ru-RU" dirty="0"/>
-              <a:t>Пошук парних дужок</a:t>
-            </a:r>
-          </a:p>
-        </p:txBody>
-      </p:sp>
-      <p:sp>
-        <p:nvSpPr>
-          <p:cNvPr id="3" name="Объект 2"/>
-          <p:cNvSpPr>
-            <a:spLocks noGrp="1"/>
-          </p:cNvSpPr>
-          <p:nvPr>
-            <p:ph idx="1"/>
-          </p:nvPr>
-        </p:nvSpPr>
-        <p:spPr>
-          <a:xfrm>
-            <a:off x="657922" y="1025912"/>
-            <a:ext cx="8486077" cy="5341434"/>
-          </a:xfrm>
-        </p:spPr>
-        <p:txBody>
-          <a:bodyPr>
-            <a:normAutofit/>
-          </a:bodyPr>
-          <a:lstStyle/>
-          <a:p>
-            <a:r>
-              <a:rPr lang="ru-RU" dirty="0"/>
-              <a:t>Стеки також часто використовуються при розборі деяких видів текстових рядків</a:t>
-            </a:r>
-            <a:r>
-              <a:rPr lang="ru-RU" dirty="0" smtClean="0"/>
-              <a:t>.</a:t>
-            </a:r>
-          </a:p>
-          <a:p>
-            <a:endParaRPr lang="ru-RU" dirty="0"/>
-          </a:p>
-          <a:p>
-            <a:pPr marL="0" indent="0">
-              <a:buNone/>
-            </a:pPr>
-            <a:r>
-              <a:rPr lang="ru-RU" sz="2000" dirty="0">
-                <a:latin typeface="Courier New" panose="02070309020205020404" pitchFamily="49" charset="0"/>
-                <a:cs typeface="Courier New" panose="02070309020205020404" pitchFamily="49" charset="0"/>
-              </a:rPr>
-              <a:t>c [d] // Правильно</a:t>
-            </a:r>
-          </a:p>
-          <a:p>
-            <a:pPr marL="0" indent="0">
-              <a:buNone/>
-            </a:pPr>
-            <a:r>
-              <a:rPr lang="ru-RU" sz="2000" dirty="0">
-                <a:latin typeface="Courier New" panose="02070309020205020404" pitchFamily="49" charset="0"/>
-                <a:cs typeface="Courier New" panose="02070309020205020404" pitchFamily="49" charset="0"/>
-              </a:rPr>
-              <a:t>a {b [c] d} e // Правильно</a:t>
-            </a:r>
-          </a:p>
-          <a:p>
-            <a:pPr marL="0" indent="0">
-              <a:buNone/>
-            </a:pPr>
-            <a:r>
-              <a:rPr lang="ru-RU" sz="2000" dirty="0">
-                <a:latin typeface="Courier New" panose="02070309020205020404" pitchFamily="49" charset="0"/>
-                <a:cs typeface="Courier New" panose="02070309020205020404" pitchFamily="49" charset="0"/>
-              </a:rPr>
-              <a:t>a {b (c] d} e // Неправильно;] не відповідає (</a:t>
-            </a:r>
-          </a:p>
-          <a:p>
-            <a:pPr marL="0" indent="0">
-              <a:buNone/>
-            </a:pPr>
-            <a:r>
-              <a:rPr lang="ru-RU" sz="2000" dirty="0">
-                <a:latin typeface="Courier New" panose="02070309020205020404" pitchFamily="49" charset="0"/>
-                <a:cs typeface="Courier New" panose="02070309020205020404" pitchFamily="49" charset="0"/>
-              </a:rPr>
-              <a:t>a [b {c} d] e</a:t>
-            </a:r>
-            <a:r>
-              <a:rPr lang="ru-RU" sz="2000" dirty="0" smtClean="0">
-                <a:latin typeface="Courier New" panose="02070309020205020404" pitchFamily="49" charset="0"/>
-                <a:cs typeface="Courier New" panose="02070309020205020404" pitchFamily="49" charset="0"/>
-              </a:rPr>
-              <a:t>} // </a:t>
-            </a:r>
-            <a:r>
-              <a:rPr lang="ru-RU" sz="2000" dirty="0">
-                <a:latin typeface="Courier New" panose="02070309020205020404" pitchFamily="49" charset="0"/>
-                <a:cs typeface="Courier New" panose="02070309020205020404" pitchFamily="49" charset="0"/>
-              </a:rPr>
-              <a:t>неправильно; у завершальній дужки} немає пари</a:t>
-            </a:r>
-          </a:p>
-          <a:p>
-            <a:pPr marL="0" indent="0">
-              <a:buNone/>
-            </a:pPr>
-            <a:r>
-              <a:rPr lang="ru-RU" sz="2000" dirty="0">
-                <a:latin typeface="Courier New" panose="02070309020205020404" pitchFamily="49" charset="0"/>
-                <a:cs typeface="Courier New" panose="02070309020205020404" pitchFamily="49" charset="0"/>
-              </a:rPr>
-              <a:t>a {b (c) // Неправильно; у відкриває дужки {немає пари</a:t>
-            </a:r>
-          </a:p>
-        </p:txBody>
-      </p:sp>
-    </p:spTree>
-    <p:extLst>
-      <p:ext uri="{BB962C8B-B14F-4D97-AF65-F5344CB8AC3E}">
-        <p14:creationId xmlns:p14="http://schemas.microsoft.com/office/powerpoint/2010/main" val="659261263"/>
       </p:ext>
     </p:extLst>
   </p:cSld>
@@ -18115,11 +18115,7 @@
             </a:r>
             <a:r>
               <a:rPr lang="ru-RU" dirty="0" smtClean="0"/>
-              <a:t> </a:t>
-            </a:r>
-            <a:r>
-              <a:rPr lang="ru-RU" dirty="0" smtClean="0"/>
-              <a:t>списки</a:t>
+              <a:t> списки</a:t>
             </a:r>
             <a:endParaRPr lang="uk-UA" dirty="0"/>
           </a:p>
@@ -18304,11 +18300,7 @@
             </a:r>
             <a:r>
               <a:rPr lang="ru-RU" dirty="0" smtClean="0"/>
-              <a:t> </a:t>
-            </a:r>
-            <a:r>
-              <a:rPr lang="ru-RU" dirty="0" smtClean="0"/>
-              <a:t>списки</a:t>
+              <a:t> списки</a:t>
             </a:r>
             <a:endParaRPr lang="uk-UA" dirty="0"/>
           </a:p>
@@ -20016,6 +20008,18 @@
               <a:buNone/>
             </a:pPr>
             <a:r>
+              <a:rPr lang="uk-UA" dirty="0" smtClean="0">
+                <a:solidFill>
+                  <a:schemeClr val="bg1">
+                    <a:lumMod val="65000"/>
+                  </a:schemeClr>
+                </a:solidFill>
+                <a:latin typeface="Courier New" panose="02070309020205020404" pitchFamily="49" charset="0"/>
+                <a:cs typeface="Courier New" panose="02070309020205020404" pitchFamily="49" charset="0"/>
+              </a:rPr>
+              <a:t>		</a:t>
+            </a:r>
+            <a:r>
               <a:rPr lang="en-US" dirty="0" smtClean="0">
                 <a:solidFill>
                   <a:schemeClr val="bg1">
@@ -20748,15 +20752,15 @@
           <a:p>
             <a:r>
               <a:rPr lang="uk-UA" dirty="0" smtClean="0"/>
-              <a:t>В</a:t>
-            </a:r>
-            <a:r>
-              <a:rPr lang="ru-RU" dirty="0" err="1" smtClean="0"/>
-              <a:t>Висновки</a:t>
+              <a:t>Вивід</a:t>
             </a:r>
             <a:r>
               <a:rPr lang="ru-RU" dirty="0" smtClean="0"/>
-              <a:t> списку на екран</a:t>
+              <a:t> </a:t>
+            </a:r>
+            <a:r>
+              <a:rPr lang="ru-RU" dirty="0" smtClean="0"/>
+              <a:t>списку на екран</a:t>
             </a:r>
             <a:endParaRPr lang="ru-RU" dirty="0"/>
           </a:p>
@@ -20985,14 +20989,21 @@
               <a:t> </a:t>
             </a:r>
             <a:r>
-              <a:rPr lang="en-US" dirty="0" err="1">
+              <a:rPr lang="uk-UA" dirty="0" smtClean="0">
+                <a:latin typeface="Courier New" panose="02070309020205020404" pitchFamily="49" charset="0"/>
+                <a:cs typeface="Courier New" panose="02070309020205020404" pitchFamily="49" charset="0"/>
+              </a:rPr>
+              <a:t>				</a:t>
+            </a:r>
+            <a:r>
+              <a:rPr lang="en-US" dirty="0" err="1" smtClean="0">
                 <a:latin typeface="Courier New" panose="02070309020205020404" pitchFamily="49" charset="0"/>
                 <a:cs typeface="Courier New" panose="02070309020205020404" pitchFamily="49" charset="0"/>
               </a:rPr>
               <a:t>головного</a:t>
             </a:r>
             <a:r>
-              <a:rPr lang="en-US" dirty="0">
+              <a:rPr lang="en-US" dirty="0" smtClean="0">
                 <a:latin typeface="Courier New" panose="02070309020205020404" pitchFamily="49" charset="0"/>
                 <a:cs typeface="Courier New" panose="02070309020205020404" pitchFamily="49" charset="0"/>
               </a:rPr>
@@ -21833,14 +21844,14 @@
           <p:nvPr>
             <p:extLst>
               <p:ext uri="{D42A27DB-BD31-4B8C-83A1-F6EECF244321}">
-                <p14:modId xmlns:p14="http://schemas.microsoft.com/office/powerpoint/2010/main" val="159191632"/>
+                <p14:modId xmlns:p14="http://schemas.microsoft.com/office/powerpoint/2010/main" val="35997710"/>
               </p:ext>
             </p:extLst>
           </p:nvPr>
         </p:nvGraphicFramePr>
         <p:xfrm>
           <a:off x="178419" y="2275247"/>
-          <a:ext cx="8957604" cy="3587483"/>
+          <a:ext cx="8957604" cy="3487280"/>
         </p:xfrm>
         <a:graphic>
           <a:graphicData uri="http://schemas.openxmlformats.org/drawingml/2006/table">
@@ -22100,13 +22111,19 @@
                         </a:spcAft>
                       </a:pPr>
                       <a:r>
-                        <a:rPr lang="ru-RU" sz="1800" dirty="0" err="1">
+                        <a:rPr lang="uk-UA" sz="1800" dirty="0" smtClean="0">
                           <a:effectLst/>
                         </a:rPr>
-                        <a:t>тимчасова</a:t>
+                        <a:t>Ч</a:t>
                       </a:r>
                       <a:r>
-                        <a:rPr lang="ru-RU" sz="1800" dirty="0">
+                        <a:rPr lang="ru-RU" sz="1800" dirty="0" err="1" smtClean="0">
+                          <a:effectLst/>
+                        </a:rPr>
+                        <a:t>асова</a:t>
+                      </a:r>
+                      <a:r>
+                        <a:rPr lang="ru-RU" sz="1800" dirty="0" smtClean="0">
                           <a:effectLst/>
                         </a:rPr>
                         <a:t> </a:t>
@@ -23040,12 +23057,12 @@
                         </a:spcAft>
                       </a:pPr>
                       <a:r>
-                        <a:rPr lang="ru-RU" sz="1800">
+                        <a:rPr lang="ru-RU" sz="1800" dirty="0" err="1" smtClean="0">
                           <a:effectLst/>
                         </a:rPr>
-                        <a:t>Пошук</a:t>
+                        <a:t>пошук</a:t>
                       </a:r>
-                      <a:endParaRPr lang="ru-RU" sz="1800">
+                      <a:endParaRPr lang="ru-RU" sz="1800" dirty="0">
                         <a:effectLst/>
                         <a:latin typeface="Calibri" panose="020F0502020204030204" pitchFamily="34" charset="0"/>
                         <a:ea typeface="Calibri" panose="020F0502020204030204" pitchFamily="34" charset="0"/>
@@ -23312,10 +23329,10 @@
                         </a:spcAft>
                       </a:pPr>
                       <a:r>
-                        <a:rPr lang="ru-RU" sz="1800" dirty="0" smtClean="0">
+                        <a:rPr lang="ru-RU" sz="1800" dirty="0" err="1" smtClean="0">
                           <a:effectLst/>
                         </a:rPr>
-                        <a:t>Вилучений.</a:t>
+                        <a:t>вилучен</a:t>
                       </a:r>
                       <a:endParaRPr lang="ru-RU" sz="1800" dirty="0">
                         <a:effectLst/>
@@ -23584,12 +23601,12 @@
                         </a:spcAft>
                       </a:pPr>
                       <a:r>
-                        <a:rPr lang="ru-RU" sz="1800">
+                        <a:rPr lang="ru-RU" sz="1800" dirty="0" err="1" smtClean="0">
                           <a:effectLst/>
                         </a:rPr>
-                        <a:t>Пошук</a:t>
+                        <a:t>пошук</a:t>
                       </a:r>
-                      <a:endParaRPr lang="ru-RU" sz="1800">
+                      <a:endParaRPr lang="ru-RU" sz="1800" dirty="0">
                         <a:effectLst/>
                         <a:latin typeface="Calibri" panose="020F0502020204030204" pitchFamily="34" charset="0"/>
                         <a:ea typeface="Calibri" panose="020F0502020204030204" pitchFamily="34" charset="0"/>
@@ -23856,10 +23873,10 @@
                         </a:spcAft>
                       </a:pPr>
                       <a:r>
-                        <a:rPr lang="ru-RU" sz="1800" dirty="0" smtClean="0">
+                        <a:rPr lang="ru-RU" sz="1800" dirty="0" err="1" smtClean="0">
                           <a:effectLst/>
                         </a:rPr>
-                        <a:t>Вилучений.</a:t>
+                        <a:t>вилучен</a:t>
                       </a:r>
                       <a:endParaRPr lang="ru-RU" sz="1800" dirty="0">
                         <a:effectLst/>
@@ -27597,16 +27614,7 @@
                           <a:ea typeface="Calibri" panose="020F0502020204030204" pitchFamily="34" charset="0"/>
                           <a:cs typeface="Times New Roman" panose="02020603050405020304" pitchFamily="18" charset="0"/>
                         </a:rPr>
-                        <a:t> </a:t>
-                      </a:r>
-                      <a:r>
-                        <a:rPr lang="ru-RU" sz="1800" baseline="0" dirty="0" smtClean="0">
-                          <a:effectLst/>
-                          <a:latin typeface="+mn-lt"/>
-                          <a:ea typeface="Calibri" panose="020F0502020204030204" pitchFamily="34" charset="0"/>
-                          <a:cs typeface="Times New Roman" panose="02020603050405020304" pitchFamily="18" charset="0"/>
-                        </a:rPr>
-                        <a:t>список (</a:t>
+                        <a:t> список (</a:t>
                       </a:r>
                       <a:r>
                         <a:rPr lang="en-US" sz="1800" baseline="0" dirty="0" smtClean="0">
